--- a/images/workflow_2.pptx
+++ b/images/workflow_2.pptx
@@ -294,7 +294,7 @@
           <a:p>
             <a:fld id="{C8B20E13-1A6A-4603-9C14-E1B2C305C46D}" type="datetimeFigureOut">
               <a:rPr lang="en-US" smtClean="0"/>
-              <a:t>6/16/2015</a:t>
+              <a:t>6/19/2015</a:t>
             </a:fld>
             <a:endParaRPr lang="en-US"/>
           </a:p>
@@ -464,7 +464,7 @@
           <a:p>
             <a:fld id="{C8B20E13-1A6A-4603-9C14-E1B2C305C46D}" type="datetimeFigureOut">
               <a:rPr lang="en-US" smtClean="0"/>
-              <a:t>6/16/2015</a:t>
+              <a:t>6/19/2015</a:t>
             </a:fld>
             <a:endParaRPr lang="en-US"/>
           </a:p>
@@ -644,7 +644,7 @@
           <a:p>
             <a:fld id="{C8B20E13-1A6A-4603-9C14-E1B2C305C46D}" type="datetimeFigureOut">
               <a:rPr lang="en-US" smtClean="0"/>
-              <a:t>6/16/2015</a:t>
+              <a:t>6/19/2015</a:t>
             </a:fld>
             <a:endParaRPr lang="en-US"/>
           </a:p>
@@ -814,7 +814,7 @@
           <a:p>
             <a:fld id="{C8B20E13-1A6A-4603-9C14-E1B2C305C46D}" type="datetimeFigureOut">
               <a:rPr lang="en-US" smtClean="0"/>
-              <a:t>6/16/2015</a:t>
+              <a:t>6/19/2015</a:t>
             </a:fld>
             <a:endParaRPr lang="en-US"/>
           </a:p>
@@ -1060,7 +1060,7 @@
           <a:p>
             <a:fld id="{C8B20E13-1A6A-4603-9C14-E1B2C305C46D}" type="datetimeFigureOut">
               <a:rPr lang="en-US" smtClean="0"/>
-              <a:t>6/16/2015</a:t>
+              <a:t>6/19/2015</a:t>
             </a:fld>
             <a:endParaRPr lang="en-US"/>
           </a:p>
@@ -1348,7 +1348,7 @@
           <a:p>
             <a:fld id="{C8B20E13-1A6A-4603-9C14-E1B2C305C46D}" type="datetimeFigureOut">
               <a:rPr lang="en-US" smtClean="0"/>
-              <a:t>6/16/2015</a:t>
+              <a:t>6/19/2015</a:t>
             </a:fld>
             <a:endParaRPr lang="en-US"/>
           </a:p>
@@ -1775,7 +1775,7 @@
           <a:p>
             <a:fld id="{C8B20E13-1A6A-4603-9C14-E1B2C305C46D}" type="datetimeFigureOut">
               <a:rPr lang="en-US" smtClean="0"/>
-              <a:t>6/16/2015</a:t>
+              <a:t>6/19/2015</a:t>
             </a:fld>
             <a:endParaRPr lang="en-US"/>
           </a:p>
@@ -1893,7 +1893,7 @@
           <a:p>
             <a:fld id="{C8B20E13-1A6A-4603-9C14-E1B2C305C46D}" type="datetimeFigureOut">
               <a:rPr lang="en-US" smtClean="0"/>
-              <a:t>6/16/2015</a:t>
+              <a:t>6/19/2015</a:t>
             </a:fld>
             <a:endParaRPr lang="en-US"/>
           </a:p>
@@ -1988,7 +1988,7 @@
           <a:p>
             <a:fld id="{C8B20E13-1A6A-4603-9C14-E1B2C305C46D}" type="datetimeFigureOut">
               <a:rPr lang="en-US" smtClean="0"/>
-              <a:t>6/16/2015</a:t>
+              <a:t>6/19/2015</a:t>
             </a:fld>
             <a:endParaRPr lang="en-US"/>
           </a:p>
@@ -2265,7 +2265,7 @@
           <a:p>
             <a:fld id="{C8B20E13-1A6A-4603-9C14-E1B2C305C46D}" type="datetimeFigureOut">
               <a:rPr lang="en-US" smtClean="0"/>
-              <a:t>6/16/2015</a:t>
+              <a:t>6/19/2015</a:t>
             </a:fld>
             <a:endParaRPr lang="en-US"/>
           </a:p>
@@ -2518,7 +2518,7 @@
           <a:p>
             <a:fld id="{C8B20E13-1A6A-4603-9C14-E1B2C305C46D}" type="datetimeFigureOut">
               <a:rPr lang="en-US" smtClean="0"/>
-              <a:t>6/16/2015</a:t>
+              <a:t>6/19/2015</a:t>
             </a:fld>
             <a:endParaRPr lang="en-US"/>
           </a:p>
@@ -2731,7 +2731,7 @@
           <a:p>
             <a:fld id="{C8B20E13-1A6A-4603-9C14-E1B2C305C46D}" type="datetimeFigureOut">
               <a:rPr lang="en-US" smtClean="0"/>
-              <a:t>6/16/2015</a:t>
+              <a:t>6/19/2015</a:t>
             </a:fld>
             <a:endParaRPr lang="en-US"/>
           </a:p>
@@ -3114,8 +3114,8 @@
         </p:nvCxnSpPr>
         <p:spPr>
           <a:xfrm>
-            <a:off x="12322800" y="2"/>
-            <a:ext cx="0" cy="6675883"/>
+            <a:off x="12322800" y="61119"/>
+            <a:ext cx="0" cy="5760000"/>
           </a:xfrm>
           <a:prstGeom prst="line">
             <a:avLst/>
@@ -3150,8 +3150,8 @@
         </p:nvCxnSpPr>
         <p:spPr>
           <a:xfrm>
-            <a:off x="7308000" y="2"/>
-            <a:ext cx="0" cy="6675883"/>
+            <a:off x="7308000" y="61119"/>
+            <a:ext cx="0" cy="5760000"/>
           </a:xfrm>
           <a:prstGeom prst="line">
             <a:avLst/>
@@ -3186,8 +3186,8 @@
         </p:nvCxnSpPr>
         <p:spPr>
           <a:xfrm>
-            <a:off x="2262981" y="2"/>
-            <a:ext cx="0" cy="6675883"/>
+            <a:off x="2262981" y="61119"/>
+            <a:ext cx="0" cy="5760000"/>
           </a:xfrm>
           <a:prstGeom prst="line">
             <a:avLst/>
@@ -3222,7 +3222,7 @@
         </p:nvGrpSpPr>
         <p:grpSpPr>
           <a:xfrm>
-            <a:off x="3833812" y="896048"/>
+            <a:off x="3833812" y="750816"/>
             <a:ext cx="1940896" cy="1984471"/>
             <a:chOff x="2019817" y="1240633"/>
             <a:chExt cx="2421135" cy="2475492"/>
@@ -3353,7 +3353,7 @@
         </p:nvSpPr>
         <p:spPr>
           <a:xfrm>
-            <a:off x="2186782" y="5594748"/>
+            <a:off x="2186782" y="5086632"/>
             <a:ext cx="2606345" cy="829073"/>
           </a:xfrm>
           <a:prstGeom prst="rect">
@@ -3396,7 +3396,7 @@
         </p:nvGrpSpPr>
         <p:grpSpPr>
           <a:xfrm>
-            <a:off x="2567781" y="3415558"/>
+            <a:off x="2567781" y="3045056"/>
             <a:ext cx="1940896" cy="1984471"/>
             <a:chOff x="3212776" y="4044357"/>
             <a:chExt cx="2136241" cy="2184202"/>
@@ -3527,7 +3527,7 @@
         </p:nvSpPr>
         <p:spPr>
           <a:xfrm>
-            <a:off x="7292182" y="5594747"/>
+            <a:off x="7292182" y="5086631"/>
             <a:ext cx="2603539" cy="810478"/>
           </a:xfrm>
           <a:prstGeom prst="rect">
@@ -3585,7 +3585,7 @@
         </p:nvGrpSpPr>
         <p:grpSpPr>
           <a:xfrm>
-            <a:off x="7619421" y="3415558"/>
+            <a:off x="7619421" y="3045056"/>
             <a:ext cx="1940896" cy="1984471"/>
             <a:chOff x="8448073" y="4044357"/>
             <a:chExt cx="2136241" cy="2184202"/>
@@ -4301,7 +4301,7 @@
         </p:nvSpPr>
         <p:spPr>
           <a:xfrm>
-            <a:off x="9806782" y="5594747"/>
+            <a:off x="9806782" y="5086631"/>
             <a:ext cx="2617451" cy="829073"/>
           </a:xfrm>
           <a:prstGeom prst="rect">
@@ -4344,7 +4344,7 @@
         </p:nvGrpSpPr>
         <p:grpSpPr>
           <a:xfrm>
-            <a:off x="10080719" y="3415558"/>
+            <a:off x="10080719" y="3045056"/>
             <a:ext cx="1940896" cy="1984471"/>
             <a:chOff x="10905253" y="4044357"/>
             <a:chExt cx="2136241" cy="2184202"/>
@@ -5345,7 +5345,7 @@
         </p:nvSpPr>
         <p:spPr>
           <a:xfrm>
-            <a:off x="4777581" y="5784840"/>
+            <a:off x="4777581" y="5276724"/>
             <a:ext cx="2597048" cy="470000"/>
           </a:xfrm>
           <a:prstGeom prst="rect">
@@ -5388,7 +5388,7 @@
         </p:nvGrpSpPr>
         <p:grpSpPr>
           <a:xfrm>
-            <a:off x="5082382" y="3415558"/>
+            <a:off x="5082382" y="3045056"/>
             <a:ext cx="1940896" cy="1984471"/>
             <a:chOff x="5669955" y="4044357"/>
             <a:chExt cx="2136241" cy="2184202"/>
@@ -5701,7 +5701,7 @@
         </p:nvSpPr>
         <p:spPr>
           <a:xfrm>
-            <a:off x="13435012" y="2"/>
+            <a:off x="13413235" y="2"/>
             <a:ext cx="5265392" cy="842603"/>
           </a:xfrm>
           <a:prstGeom prst="rect">
@@ -5754,7 +5754,7 @@
         </p:nvSpPr>
         <p:spPr>
           <a:xfrm>
-            <a:off x="3359" y="839715"/>
+            <a:off x="3359" y="752400"/>
             <a:ext cx="1940896" cy="1984471"/>
           </a:xfrm>
           <a:prstGeom prst="roundRect">
@@ -5853,7 +5853,7 @@
         </p:blipFill>
         <p:spPr>
           <a:xfrm>
-            <a:off x="93075" y="2186742"/>
+            <a:off x="93075" y="2041510"/>
             <a:ext cx="564034" cy="628063"/>
           </a:xfrm>
           <a:prstGeom prst="rect">
@@ -5884,7 +5884,7 @@
         </p:blipFill>
         <p:spPr bwMode="auto">
           <a:xfrm>
-            <a:off x="438971" y="1019002"/>
+            <a:off x="438971" y="873770"/>
             <a:ext cx="1265012" cy="1116187"/>
           </a:xfrm>
           <a:prstGeom prst="rect">
@@ -5910,7 +5910,7 @@
         </p:nvSpPr>
         <p:spPr>
           <a:xfrm rot="16200000">
-            <a:off x="4679292" y="940044"/>
+            <a:off x="4679292" y="711444"/>
             <a:ext cx="251113" cy="4436864"/>
           </a:xfrm>
           <a:prstGeom prst="rightBrace">
@@ -5957,7 +5957,7 @@
         </p:nvSpPr>
         <p:spPr>
           <a:xfrm>
-            <a:off x="12313789" y="5594747"/>
+            <a:off x="12292012" y="5086631"/>
             <a:ext cx="2622938" cy="829073"/>
           </a:xfrm>
           <a:prstGeom prst="rect">
@@ -6000,7 +6000,7 @@
         </p:nvGrpSpPr>
         <p:grpSpPr>
           <a:xfrm>
-            <a:off x="12667762" y="3415558"/>
+            <a:off x="12645985" y="3045056"/>
             <a:ext cx="1940896" cy="1984471"/>
             <a:chOff x="13683370" y="4044357"/>
             <a:chExt cx="2136241" cy="2184202"/>
@@ -6178,7 +6178,7 @@
         </p:nvSpPr>
         <p:spPr>
           <a:xfrm>
-            <a:off x="15109105" y="5632846"/>
+            <a:off x="15087328" y="5124730"/>
             <a:ext cx="2291421" cy="829073"/>
           </a:xfrm>
           <a:prstGeom prst="rect">
@@ -6221,10 +6221,10 @@
         </p:nvGrpSpPr>
         <p:grpSpPr>
           <a:xfrm>
-            <a:off x="15180814" y="3344400"/>
-            <a:ext cx="1940896" cy="2046349"/>
-            <a:chOff x="16077938" y="3296534"/>
-            <a:chExt cx="2136241" cy="2252308"/>
+            <a:off x="15159037" y="3044178"/>
+            <a:ext cx="1940896" cy="1984470"/>
+            <a:chOff x="16077938" y="3373889"/>
+            <a:chExt cx="2136241" cy="2184202"/>
           </a:xfrm>
         </p:grpSpPr>
         <p:sp>
@@ -6235,7 +6235,7 @@
           </p:nvSpPr>
           <p:spPr>
             <a:xfrm>
-              <a:off x="16077938" y="3364640"/>
+              <a:off x="16077938" y="3373889"/>
               <a:ext cx="2136241" cy="2184202"/>
             </a:xfrm>
             <a:prstGeom prst="roundRect">
@@ -6318,10 +6318,10 @@
           </p:nvGrpSpPr>
           <p:grpSpPr>
             <a:xfrm>
-              <a:off x="16336276" y="3296534"/>
-              <a:ext cx="1696397" cy="1406430"/>
-              <a:chOff x="15977891" y="5027405"/>
-              <a:chExt cx="2143749" cy="1777316"/>
+              <a:off x="16336276" y="3449271"/>
+              <a:ext cx="1696397" cy="1253694"/>
+              <a:chOff x="15977891" y="5220419"/>
+              <a:chExt cx="2143749" cy="1584302"/>
             </a:xfrm>
           </p:grpSpPr>
           <p:pic>
@@ -6332,7 +6332,7 @@
               </p:cNvPicPr>
               <p:nvPr/>
             </p:nvPicPr>
-            <p:blipFill>
+            <p:blipFill rotWithShape="1">
               <a:blip r:embed="rId10" cstate="print">
                 <a:duotone>
                   <a:schemeClr val="bg2">
@@ -6347,14 +6347,13 @@
                   </a:ext>
                 </a:extLst>
               </a:blip>
-              <a:stretch>
-                <a:fillRect/>
-              </a:stretch>
+              <a:srcRect t="14563" b="-14563"/>
+              <a:stretch/>
             </p:blipFill>
             <p:spPr>
               <a:xfrm>
-                <a:off x="16559270" y="5027405"/>
-                <a:ext cx="1562370" cy="1325502"/>
+                <a:off x="16559270" y="5220419"/>
+                <a:ext cx="1562370" cy="1325503"/>
               </a:xfrm>
               <a:prstGeom prst="rect">
                 <a:avLst/>
@@ -6445,7 +6444,7 @@
         </p:nvGrpSpPr>
         <p:grpSpPr>
           <a:xfrm>
-            <a:off x="5129212" y="6844750"/>
+            <a:off x="5288018" y="5924831"/>
             <a:ext cx="3727394" cy="735949"/>
             <a:chOff x="5390529" y="6659614"/>
             <a:chExt cx="3727394" cy="735949"/>
@@ -6556,7 +6555,7 @@
         </p:nvGrpSpPr>
         <p:grpSpPr>
           <a:xfrm>
-            <a:off x="0" y="6844750"/>
+            <a:off x="100900" y="5924831"/>
             <a:ext cx="3656712" cy="735949"/>
             <a:chOff x="1075231" y="6659614"/>
             <a:chExt cx="3656712" cy="735949"/>
@@ -6667,9 +6666,9 @@
         </p:nvGrpSpPr>
         <p:grpSpPr>
           <a:xfrm>
-            <a:off x="15949612" y="6830221"/>
+            <a:off x="15721012" y="5925512"/>
             <a:ext cx="3656077" cy="765007"/>
-            <a:chOff x="14073103" y="6645085"/>
+            <a:chOff x="14073103" y="6652966"/>
             <a:chExt cx="3656077" cy="765007"/>
           </a:xfrm>
         </p:grpSpPr>
@@ -6702,7 +6701,7 @@
           </p:blipFill>
           <p:spPr>
             <a:xfrm>
-              <a:off x="14073103" y="6645085"/>
+              <a:off x="14073103" y="6652966"/>
               <a:ext cx="670700" cy="765007"/>
             </a:xfrm>
             <a:prstGeom prst="rect">
@@ -6718,7 +6717,7 @@
           </p:nvSpPr>
           <p:spPr>
             <a:xfrm>
-              <a:off x="14868483" y="6659614"/>
+              <a:off x="14868483" y="6652966"/>
               <a:ext cx="2860697" cy="735950"/>
             </a:xfrm>
             <a:prstGeom prst="roundRect">
@@ -6777,7 +6776,7 @@
         </p:nvGrpSpPr>
         <p:grpSpPr>
           <a:xfrm>
-            <a:off x="10082212" y="6844750"/>
+            <a:off x="10459813" y="5924831"/>
             <a:ext cx="3660999" cy="735949"/>
             <a:chOff x="9753519" y="6659614"/>
             <a:chExt cx="3660999" cy="735949"/>
@@ -7320,7 +7319,7 @@
         </p:nvSpPr>
         <p:spPr>
           <a:xfrm rot="16200000">
-            <a:off x="9718659" y="948324"/>
+            <a:off x="9718659" y="719724"/>
             <a:ext cx="218360" cy="4387555"/>
           </a:xfrm>
           <a:prstGeom prst="rightBrace">
@@ -7367,7 +7366,7 @@
         </p:nvSpPr>
         <p:spPr>
           <a:xfrm rot="16200000">
-            <a:off x="16040725" y="-325267"/>
+            <a:off x="16018948" y="-553867"/>
             <a:ext cx="228590" cy="6944964"/>
           </a:xfrm>
           <a:prstGeom prst="rightBrace">
@@ -7414,7 +7413,7 @@
         </p:nvCxnSpPr>
         <p:spPr>
           <a:xfrm>
-            <a:off x="2035615" y="1854967"/>
+            <a:off x="2035615" y="1709735"/>
             <a:ext cx="893511" cy="0"/>
           </a:xfrm>
           <a:prstGeom prst="straightConnector1">
@@ -7450,7 +7449,7 @@
         </p:nvGrpSpPr>
         <p:grpSpPr>
           <a:xfrm>
-            <a:off x="8862097" y="896048"/>
+            <a:off x="8862097" y="750816"/>
             <a:ext cx="1940896" cy="1984471"/>
             <a:chOff x="8862097" y="839715"/>
             <a:chExt cx="1940896" cy="1984471"/>
@@ -7633,7 +7632,7 @@
         </p:nvGrpSpPr>
         <p:grpSpPr>
           <a:xfrm>
-            <a:off x="15187612" y="815951"/>
+            <a:off x="15165835" y="670719"/>
             <a:ext cx="1940896" cy="2057242"/>
             <a:chOff x="13799001" y="759618"/>
             <a:chExt cx="1940896" cy="2057242"/>
@@ -7822,7 +7821,7 @@
         </p:nvSpPr>
         <p:spPr>
           <a:xfrm>
-            <a:off x="3786981" y="-15081"/>
+            <a:off x="3786981" y="12641"/>
             <a:ext cx="2136240" cy="810478"/>
           </a:xfrm>
           <a:prstGeom prst="rect">
@@ -7880,7 +7879,7 @@
         </p:nvCxnSpPr>
         <p:spPr>
           <a:xfrm>
-            <a:off x="7008271" y="1854967"/>
+            <a:off x="7008271" y="1709735"/>
             <a:ext cx="893511" cy="0"/>
           </a:xfrm>
           <a:prstGeom prst="straightConnector1">
@@ -7916,7 +7915,7 @@
         </p:nvCxnSpPr>
         <p:spPr>
           <a:xfrm>
-            <a:off x="11961271" y="1661319"/>
+            <a:off x="11961271" y="1516087"/>
             <a:ext cx="893511" cy="0"/>
           </a:xfrm>
           <a:prstGeom prst="straightConnector1">
@@ -7952,7 +7951,7 @@
         </p:nvCxnSpPr>
         <p:spPr>
           <a:xfrm flipH="1">
-            <a:off x="11929929" y="1966119"/>
+            <a:off x="11929929" y="1820887"/>
             <a:ext cx="893511" cy="0"/>
           </a:xfrm>
           <a:prstGeom prst="straightConnector1">
@@ -7988,7 +7987,7 @@
         </p:nvSpPr>
         <p:spPr>
           <a:xfrm>
-            <a:off x="17544391" y="5632846"/>
+            <a:off x="17522614" y="5124730"/>
             <a:ext cx="2291421" cy="829073"/>
           </a:xfrm>
           <a:prstGeom prst="rect">
@@ -8031,7 +8030,7 @@
         </p:nvGrpSpPr>
         <p:grpSpPr>
           <a:xfrm>
-            <a:off x="17694000" y="3415558"/>
+            <a:off x="17672223" y="3045056"/>
             <a:ext cx="1940896" cy="1984471"/>
             <a:chOff x="17686604" y="3415558"/>
             <a:chExt cx="1940896" cy="1984471"/>
